--- a/Prezentacija_projekta.pptx
+++ b/Prezentacija_projekta.pptx
@@ -17989,6 +17989,15 @@
               </a:rPr>
               <a:t>hepher</a:t>
             </a:r>
+            <a:r>
+              <a:rPr lang="hr-HR" sz="2000" b="0" strike="noStrike" spc="-1" dirty="0">
+                <a:solidFill>
+                  <a:srgbClr val="000000"/>
+                </a:solidFill>
+                <a:latin typeface="Century Gothic"/>
+              </a:rPr>
+              <a:t>d</a:t>
+            </a:r>
             <a:endParaRPr lang="en-US" sz="2000" b="0" strike="noStrike" spc="-1" dirty="0">
               <a:latin typeface="Arial"/>
             </a:endParaRPr>
@@ -19747,8 +19756,8 @@
           </a:p>
         </p:txBody>
       </p:sp>
-      <mc:AlternateContent xmlns:mc="http://schemas.openxmlformats.org/markup-compatibility/2006">
-        <mc:Choice xmlns:a14="http://schemas.microsoft.com/office/drawing/2010/main" Requires="a14">
+      <mc:AlternateContent xmlns:mc="http://schemas.openxmlformats.org/markup-compatibility/2006" xmlns:a14="http://schemas.microsoft.com/office/drawing/2010/main">
+        <mc:Choice Requires="a14">
           <p:sp>
             <p:nvSpPr>
               <p:cNvPr id="290" name="TextShape 2"/>
@@ -20335,7 +20344,7 @@
             </p:txBody>
           </p:sp>
         </mc:Choice>
-        <mc:Fallback>
+        <mc:Fallback xmlns="">
           <p:sp>
             <p:nvSpPr>
               <p:cNvPr id="290" name="TextShape 2"/>
